--- a/Project.pptx
+++ b/Project.pptx
@@ -8174,7 +8174,15 @@
           <a:p>
             <a:r>
               <a:rPr lang="tr-TR" sz="2400" dirty="0"/>
-              <a:t>Son asırda yeniden canlanmaya başlayan materyalizm ve Pozitivizm ortaya çıkışı.</a:t>
+              <a:t>Son asırda yeniden canlanmaya başlayan materyalizm </a:t>
+            </a:r>
+            <a:r>
+              <a:rPr lang="tr-TR" sz="2400"/>
+              <a:t>ve pozitivizm </a:t>
+            </a:r>
+            <a:r>
+              <a:rPr lang="tr-TR" sz="2400" dirty="0"/>
+              <a:t>ortaya çıkışı.</a:t>
             </a:r>
           </a:p>
           <a:p>
@@ -8219,7 +8227,7 @@
             </a:r>
             <a:r>
               <a:rPr lang="tr-TR" sz="1400" dirty="0" err="1"/>
-              <a:t>Fransızca’d.a</a:t>
+              <a:t>Fransızca’da</a:t>
             </a:r>
             <a:r>
               <a:rPr lang="tr-TR" sz="1400" dirty="0"/>
@@ -8663,7 +8671,15 @@
           <a:p>
             <a:r>
               <a:rPr lang="tr-TR" sz="2800" dirty="0"/>
-              <a:t>Bu delil, dış gerçekliğe yani âleme dayalı verinin dışında zihni bir ispat delili olup en yetkin varlık tasavvuru üzerinde kurulmaktadır.</a:t>
+              <a:t>Bu delil, dış gerçekliğe yani âleme dayalı verinin dışında zihni bir ispat delili olup en yetkin </a:t>
+            </a:r>
+            <a:r>
+              <a:rPr lang="tr-TR" sz="2800" b="1" dirty="0"/>
+              <a:t>varlık tasavvuru</a:t>
+            </a:r>
+            <a:r>
+              <a:rPr lang="tr-TR" sz="2800" dirty="0"/>
+              <a:t> üzerinde kurulmaktadır.</a:t>
             </a:r>
           </a:p>
           <a:p>
@@ -8673,7 +8689,15 @@
             </a:r>
             <a:r>
               <a:rPr lang="tr-TR" sz="2800" dirty="0"/>
-              <a:t> Varlık delilini İslam düşüncesinde ilk kullanan kişi Farabi’dir. </a:t>
+              <a:t> Varlık delilini İslam düşüncesinde ilk kullanan kişi </a:t>
+            </a:r>
+            <a:r>
+              <a:rPr lang="tr-TR" sz="2800" b="1" dirty="0"/>
+              <a:t>Farabi’dir.</a:t>
+            </a:r>
+            <a:r>
+              <a:rPr lang="tr-TR" sz="2800" dirty="0"/>
+              <a:t> </a:t>
             </a:r>
             <a:br>
               <a:rPr lang="tr-TR" sz="2800" dirty="0"/>
